--- a/figure/fig.pptx
+++ b/figure/fig.pptx
@@ -6,12 +6,13 @@
   </p:sldMasterIdLst>
   <p:sldIdLst>
     <p:sldId id="256" r:id="rId2"/>
-    <p:sldId id="260" r:id="rId3"/>
-    <p:sldId id="261" r:id="rId4"/>
-    <p:sldId id="262" r:id="rId5"/>
-    <p:sldId id="257" r:id="rId6"/>
-    <p:sldId id="258" r:id="rId7"/>
-    <p:sldId id="259" r:id="rId8"/>
+    <p:sldId id="263" r:id="rId3"/>
+    <p:sldId id="260" r:id="rId4"/>
+    <p:sldId id="261" r:id="rId5"/>
+    <p:sldId id="262" r:id="rId6"/>
+    <p:sldId id="257" r:id="rId7"/>
+    <p:sldId id="258" r:id="rId8"/>
+    <p:sldId id="259" r:id="rId9"/>
   </p:sldIdLst>
   <p:sldSz cx="12192000" cy="6858000"/>
   <p:notesSz cx="6858000" cy="9144000"/>
@@ -265,7 +266,7 @@
           <a:p>
             <a:fld id="{2A4F8529-4557-41EA-9AF8-6339A2489D1A}" type="datetimeFigureOut">
               <a:rPr lang="it-IT" smtClean="0"/>
-              <a:t>30/05/2018</a:t>
+              <a:t>18/08/2018</a:t>
             </a:fld>
             <a:endParaRPr lang="it-IT"/>
           </a:p>
@@ -463,7 +464,7 @@
           <a:p>
             <a:fld id="{2A4F8529-4557-41EA-9AF8-6339A2489D1A}" type="datetimeFigureOut">
               <a:rPr lang="it-IT" smtClean="0"/>
-              <a:t>30/05/2018</a:t>
+              <a:t>18/08/2018</a:t>
             </a:fld>
             <a:endParaRPr lang="it-IT"/>
           </a:p>
@@ -671,7 +672,7 @@
           <a:p>
             <a:fld id="{2A4F8529-4557-41EA-9AF8-6339A2489D1A}" type="datetimeFigureOut">
               <a:rPr lang="it-IT" smtClean="0"/>
-              <a:t>30/05/2018</a:t>
+              <a:t>18/08/2018</a:t>
             </a:fld>
             <a:endParaRPr lang="it-IT"/>
           </a:p>
@@ -869,7 +870,7 @@
           <a:p>
             <a:fld id="{2A4F8529-4557-41EA-9AF8-6339A2489D1A}" type="datetimeFigureOut">
               <a:rPr lang="it-IT" smtClean="0"/>
-              <a:t>30/05/2018</a:t>
+              <a:t>18/08/2018</a:t>
             </a:fld>
             <a:endParaRPr lang="it-IT"/>
           </a:p>
@@ -1144,7 +1145,7 @@
           <a:p>
             <a:fld id="{2A4F8529-4557-41EA-9AF8-6339A2489D1A}" type="datetimeFigureOut">
               <a:rPr lang="it-IT" smtClean="0"/>
-              <a:t>30/05/2018</a:t>
+              <a:t>18/08/2018</a:t>
             </a:fld>
             <a:endParaRPr lang="it-IT"/>
           </a:p>
@@ -1409,7 +1410,7 @@
           <a:p>
             <a:fld id="{2A4F8529-4557-41EA-9AF8-6339A2489D1A}" type="datetimeFigureOut">
               <a:rPr lang="it-IT" smtClean="0"/>
-              <a:t>30/05/2018</a:t>
+              <a:t>18/08/2018</a:t>
             </a:fld>
             <a:endParaRPr lang="it-IT"/>
           </a:p>
@@ -1821,7 +1822,7 @@
           <a:p>
             <a:fld id="{2A4F8529-4557-41EA-9AF8-6339A2489D1A}" type="datetimeFigureOut">
               <a:rPr lang="it-IT" smtClean="0"/>
-              <a:t>30/05/2018</a:t>
+              <a:t>18/08/2018</a:t>
             </a:fld>
             <a:endParaRPr lang="it-IT"/>
           </a:p>
@@ -1962,7 +1963,7 @@
           <a:p>
             <a:fld id="{2A4F8529-4557-41EA-9AF8-6339A2489D1A}" type="datetimeFigureOut">
               <a:rPr lang="it-IT" smtClean="0"/>
-              <a:t>30/05/2018</a:t>
+              <a:t>18/08/2018</a:t>
             </a:fld>
             <a:endParaRPr lang="it-IT"/>
           </a:p>
@@ -2075,7 +2076,7 @@
           <a:p>
             <a:fld id="{2A4F8529-4557-41EA-9AF8-6339A2489D1A}" type="datetimeFigureOut">
               <a:rPr lang="it-IT" smtClean="0"/>
-              <a:t>30/05/2018</a:t>
+              <a:t>18/08/2018</a:t>
             </a:fld>
             <a:endParaRPr lang="it-IT"/>
           </a:p>
@@ -2386,7 +2387,7 @@
           <a:p>
             <a:fld id="{2A4F8529-4557-41EA-9AF8-6339A2489D1A}" type="datetimeFigureOut">
               <a:rPr lang="it-IT" smtClean="0"/>
-              <a:t>30/05/2018</a:t>
+              <a:t>18/08/2018</a:t>
             </a:fld>
             <a:endParaRPr lang="it-IT"/>
           </a:p>
@@ -2674,7 +2675,7 @@
           <a:p>
             <a:fld id="{2A4F8529-4557-41EA-9AF8-6339A2489D1A}" type="datetimeFigureOut">
               <a:rPr lang="it-IT" smtClean="0"/>
-              <a:t>30/05/2018</a:t>
+              <a:t>18/08/2018</a:t>
             </a:fld>
             <a:endParaRPr lang="it-IT"/>
           </a:p>
@@ -2915,7 +2916,7 @@
           <a:p>
             <a:fld id="{2A4F8529-4557-41EA-9AF8-6339A2489D1A}" type="datetimeFigureOut">
               <a:rPr lang="it-IT" smtClean="0"/>
-              <a:t>30/05/2018</a:t>
+              <a:t>18/08/2018</a:t>
             </a:fld>
             <a:endParaRPr lang="it-IT"/>
           </a:p>
@@ -3605,6 +3606,229 @@
           <p:cNvPr id="4" name="Immagine 3">
             <a:extLst>
               <a:ext uri="{FF2B5EF4-FFF2-40B4-BE49-F238E27FC236}">
+                <a16:creationId xmlns:a16="http://schemas.microsoft.com/office/drawing/2014/main" id="{90387044-9D6D-4249-A73F-9470B31EA8D6}"/>
+              </a:ext>
+            </a:extLst>
+          </p:cNvPr>
+          <p:cNvPicPr>
+            <a:picLocks noChangeAspect="1"/>
+          </p:cNvPicPr>
+          <p:nvPr/>
+        </p:nvPicPr>
+        <p:blipFill rotWithShape="1">
+          <a:blip r:embed="rId2"/>
+          <a:srcRect t="-977" b="1"/>
+          <a:stretch/>
+        </p:blipFill>
+        <p:spPr>
+          <a:xfrm>
+            <a:off x="0" y="409903"/>
+            <a:ext cx="12192000" cy="6521768"/>
+          </a:xfrm>
+          <a:prstGeom prst="rect">
+            <a:avLst/>
+          </a:prstGeom>
+          <a:solidFill>
+            <a:srgbClr val="FFFFFF">
+              <a:shade val="85000"/>
+            </a:srgbClr>
+          </a:solidFill>
+          <a:ln w="101600" cap="sq">
+            <a:solidFill>
+              <a:srgbClr val="FDFDFD"/>
+            </a:solidFill>
+            <a:miter lim="800000"/>
+          </a:ln>
+          <a:effectLst>
+            <a:outerShdw blurRad="57150" dist="37500" dir="7560000" sy="98000" kx="110000" ky="200000" algn="tl" rotWithShape="0">
+              <a:srgbClr val="000000">
+                <a:alpha val="20000"/>
+              </a:srgbClr>
+            </a:outerShdw>
+          </a:effectLst>
+          <a:scene3d>
+            <a:camera prst="perspectiveRelaxed">
+              <a:rot lat="18960000" lon="0" rev="0"/>
+            </a:camera>
+            <a:lightRig rig="twoPt" dir="t">
+              <a:rot lat="0" lon="0" rev="7200000"/>
+            </a:lightRig>
+          </a:scene3d>
+          <a:sp3d prstMaterial="matte">
+            <a:bevelT w="22860" h="12700"/>
+            <a:contourClr>
+              <a:srgbClr val="FFFFFF"/>
+            </a:contourClr>
+          </a:sp3d>
+        </p:spPr>
+      </p:pic>
+      <p:sp>
+        <p:nvSpPr>
+          <p:cNvPr id="7" name="Rettangolo 6">
+            <a:extLst>
+              <a:ext uri="{FF2B5EF4-FFF2-40B4-BE49-F238E27FC236}">
+                <a16:creationId xmlns:a16="http://schemas.microsoft.com/office/drawing/2014/main" id="{4DF72EFC-0DA0-4A79-861E-A5092FB0E962}"/>
+              </a:ext>
+            </a:extLst>
+          </p:cNvPr>
+          <p:cNvSpPr/>
+          <p:nvPr/>
+        </p:nvSpPr>
+        <p:spPr>
+          <a:xfrm>
+            <a:off x="630621" y="1467888"/>
+            <a:ext cx="11014841" cy="2123090"/>
+          </a:xfrm>
+          <a:prstGeom prst="rect">
+            <a:avLst/>
+          </a:prstGeom>
+          <a:solidFill>
+            <a:srgbClr val="FFFFFF">
+              <a:shade val="85000"/>
+              <a:alpha val="20000"/>
+            </a:srgbClr>
+          </a:solidFill>
+          <a:ln w="88900" cap="sq">
+            <a:noFill/>
+            <a:miter lim="800000"/>
+          </a:ln>
+          <a:effectLst>
+            <a:outerShdw blurRad="57150" dist="37500" dir="7560000" sy="98000" kx="110000" ky="200000" algn="tl" rotWithShape="0">
+              <a:srgbClr val="000000">
+                <a:alpha val="20000"/>
+              </a:srgbClr>
+            </a:outerShdw>
+          </a:effectLst>
+          <a:scene3d>
+            <a:camera prst="perspectiveRelaxed">
+              <a:rot lat="18960000" lon="0" rev="0"/>
+            </a:camera>
+            <a:lightRig rig="twoPt" dir="t">
+              <a:rot lat="0" lon="0" rev="7200000"/>
+            </a:lightRig>
+          </a:scene3d>
+          <a:sp3d prstMaterial="matte">
+            <a:bevelT w="6350" h="12700"/>
+            <a:contourClr>
+              <a:srgbClr val="FFFFFF"/>
+            </a:contourClr>
+          </a:sp3d>
+        </p:spPr>
+        <p:style>
+          <a:lnRef idx="2">
+            <a:schemeClr val="accent1">
+              <a:shade val="50000"/>
+            </a:schemeClr>
+          </a:lnRef>
+          <a:fillRef idx="1">
+            <a:schemeClr val="accent1"/>
+          </a:fillRef>
+          <a:effectRef idx="0">
+            <a:schemeClr val="accent1"/>
+          </a:effectRef>
+          <a:fontRef idx="minor">
+            <a:schemeClr val="lt1"/>
+          </a:fontRef>
+        </p:style>
+        <p:txBody>
+          <a:bodyPr rtlCol="0" anchor="ctr"/>
+          <a:lstStyle/>
+          <a:p>
+            <a:pPr algn="ctr"/>
+            <a:endParaRPr lang="it-IT" dirty="0"/>
+          </a:p>
+        </p:txBody>
+      </p:sp>
+      <p:sp>
+        <p:nvSpPr>
+          <p:cNvPr id="6" name="Rettangolo 5">
+            <a:extLst>
+              <a:ext uri="{FF2B5EF4-FFF2-40B4-BE49-F238E27FC236}">
+                <a16:creationId xmlns:a16="http://schemas.microsoft.com/office/drawing/2014/main" id="{6373A93F-52DA-4167-920C-E89D0E4AD114}"/>
+              </a:ext>
+            </a:extLst>
+          </p:cNvPr>
+          <p:cNvSpPr/>
+          <p:nvPr/>
+        </p:nvSpPr>
+        <p:spPr>
+          <a:xfrm>
+            <a:off x="1259300" y="1796647"/>
+            <a:ext cx="9576404" cy="1631216"/>
+          </a:xfrm>
+          <a:prstGeom prst="rect">
+            <a:avLst/>
+          </a:prstGeom>
+          <a:noFill/>
+          <a:effectLst/>
+        </p:spPr>
+        <p:txBody>
+          <a:bodyPr wrap="none" lIns="91440" tIns="45720" rIns="91440" bIns="45720">
+            <a:spAutoFit/>
+          </a:bodyPr>
+          <a:lstStyle/>
+          <a:p>
+            <a:pPr algn="ctr"/>
+            <a:r>
+              <a:rPr lang="it-IT" sz="10000" b="1" dirty="0">
+                <a:ln w="13462">
+                  <a:solidFill>
+                    <a:schemeClr val="bg1"/>
+                  </a:solidFill>
+                  <a:prstDash val="solid"/>
+                </a:ln>
+                <a:solidFill>
+                  <a:schemeClr val="tx1">
+                    <a:lumMod val="85000"/>
+                    <a:lumOff val="15000"/>
+                  </a:schemeClr>
+                </a:solidFill>
+                <a:effectLst>
+                  <a:outerShdw dist="38100" dir="2700000" algn="bl" rotWithShape="0">
+                    <a:schemeClr val="accent5"/>
+                  </a:outerShdw>
+                </a:effectLst>
+              </a:rPr>
+              <a:t>R DATA TRAINING</a:t>
+            </a:r>
+          </a:p>
+        </p:txBody>
+      </p:sp>
+    </p:spTree>
+    <p:extLst>
+      <p:ext uri="{BB962C8B-B14F-4D97-AF65-F5344CB8AC3E}">
+        <p14:creationId xmlns:p14="http://schemas.microsoft.com/office/powerpoint/2010/main" val="2285830422"/>
+      </p:ext>
+    </p:extLst>
+  </p:cSld>
+  <p:clrMapOvr>
+    <a:masterClrMapping/>
+  </p:clrMapOvr>
+</p:sld>
+</file>
+
+<file path=ppt/slides/slide3.xml><?xml version="1.0" encoding="utf-8"?>
+<p:sld xmlns:a="http://schemas.openxmlformats.org/drawingml/2006/main" xmlns:r="http://schemas.openxmlformats.org/officeDocument/2006/relationships" xmlns:p="http://schemas.openxmlformats.org/presentationml/2006/main">
+  <p:cSld>
+    <p:spTree>
+      <p:nvGrpSpPr>
+        <p:cNvPr id="1" name=""/>
+        <p:cNvGrpSpPr/>
+        <p:nvPr/>
+      </p:nvGrpSpPr>
+      <p:grpSpPr>
+        <a:xfrm>
+          <a:off x="0" y="0"/>
+          <a:ext cx="0" cy="0"/>
+          <a:chOff x="0" y="0"/>
+          <a:chExt cx="0" cy="0"/>
+        </a:xfrm>
+      </p:grpSpPr>
+      <p:pic>
+        <p:nvPicPr>
+          <p:cNvPr id="4" name="Immagine 3">
+            <a:extLst>
+              <a:ext uri="{FF2B5EF4-FFF2-40B4-BE49-F238E27FC236}">
                 <a16:creationId xmlns:a16="http://schemas.microsoft.com/office/drawing/2014/main" id="{881E471D-F117-4411-A2D6-AD3F5250570F}"/>
               </a:ext>
             </a:extLst>
@@ -3643,7 +3867,7 @@
 </p:sld>
 </file>
 
-<file path=ppt/slides/slide3.xml><?xml version="1.0" encoding="utf-8"?>
+<file path=ppt/slides/slide4.xml><?xml version="1.0" encoding="utf-8"?>
 <p:sld xmlns:a="http://schemas.openxmlformats.org/drawingml/2006/main" xmlns:r="http://schemas.openxmlformats.org/officeDocument/2006/relationships" xmlns:p="http://schemas.openxmlformats.org/presentationml/2006/main">
   <p:cSld>
     <p:spTree>
@@ -3799,7 +4023,7 @@
 </p:sld>
 </file>
 
-<file path=ppt/slides/slide4.xml><?xml version="1.0" encoding="utf-8"?>
+<file path=ppt/slides/slide5.xml><?xml version="1.0" encoding="utf-8"?>
 <p:sld xmlns:a="http://schemas.openxmlformats.org/drawingml/2006/main" xmlns:r="http://schemas.openxmlformats.org/officeDocument/2006/relationships" xmlns:p="http://schemas.openxmlformats.org/presentationml/2006/main">
   <p:cSld>
     <p:spTree>
@@ -3913,7 +4137,7 @@
 </p:sld>
 </file>
 
-<file path=ppt/slides/slide5.xml><?xml version="1.0" encoding="utf-8"?>
+<file path=ppt/slides/slide6.xml><?xml version="1.0" encoding="utf-8"?>
 <p:sld xmlns:a="http://schemas.openxmlformats.org/drawingml/2006/main" xmlns:r="http://schemas.openxmlformats.org/officeDocument/2006/relationships" xmlns:p="http://schemas.openxmlformats.org/presentationml/2006/main">
   <p:cSld>
     <p:spTree>
@@ -4026,7 +4250,7 @@
 </p:sld>
 </file>
 
-<file path=ppt/slides/slide6.xml><?xml version="1.0" encoding="utf-8"?>
+<file path=ppt/slides/slide7.xml><?xml version="1.0" encoding="utf-8"?>
 <p:sld xmlns:a="http://schemas.openxmlformats.org/drawingml/2006/main" xmlns:r="http://schemas.openxmlformats.org/officeDocument/2006/relationships" xmlns:p="http://schemas.openxmlformats.org/presentationml/2006/main">
   <p:cSld>
     <p:spTree>
@@ -4056,7 +4280,7 @@
 </p:sld>
 </file>
 
-<file path=ppt/slides/slide7.xml><?xml version="1.0" encoding="utf-8"?>
+<file path=ppt/slides/slide8.xml><?xml version="1.0" encoding="utf-8"?>
 <p:sld xmlns:a="http://schemas.openxmlformats.org/drawingml/2006/main" xmlns:r="http://schemas.openxmlformats.org/officeDocument/2006/relationships" xmlns:p="http://schemas.openxmlformats.org/presentationml/2006/main">
   <p:cSld>
     <p:spTree>

--- a/figure/fig.pptx
+++ b/figure/fig.pptx
@@ -266,7 +266,7 @@
           <a:p>
             <a:fld id="{2A4F8529-4557-41EA-9AF8-6339A2489D1A}" type="datetimeFigureOut">
               <a:rPr lang="it-IT" smtClean="0"/>
-              <a:t>18/08/2018</a:t>
+              <a:t>23/10/2018</a:t>
             </a:fld>
             <a:endParaRPr lang="it-IT"/>
           </a:p>
@@ -464,7 +464,7 @@
           <a:p>
             <a:fld id="{2A4F8529-4557-41EA-9AF8-6339A2489D1A}" type="datetimeFigureOut">
               <a:rPr lang="it-IT" smtClean="0"/>
-              <a:t>18/08/2018</a:t>
+              <a:t>23/10/2018</a:t>
             </a:fld>
             <a:endParaRPr lang="it-IT"/>
           </a:p>
@@ -672,7 +672,7 @@
           <a:p>
             <a:fld id="{2A4F8529-4557-41EA-9AF8-6339A2489D1A}" type="datetimeFigureOut">
               <a:rPr lang="it-IT" smtClean="0"/>
-              <a:t>18/08/2018</a:t>
+              <a:t>23/10/2018</a:t>
             </a:fld>
             <a:endParaRPr lang="it-IT"/>
           </a:p>
@@ -870,7 +870,7 @@
           <a:p>
             <a:fld id="{2A4F8529-4557-41EA-9AF8-6339A2489D1A}" type="datetimeFigureOut">
               <a:rPr lang="it-IT" smtClean="0"/>
-              <a:t>18/08/2018</a:t>
+              <a:t>23/10/2018</a:t>
             </a:fld>
             <a:endParaRPr lang="it-IT"/>
           </a:p>
@@ -1145,7 +1145,7 @@
           <a:p>
             <a:fld id="{2A4F8529-4557-41EA-9AF8-6339A2489D1A}" type="datetimeFigureOut">
               <a:rPr lang="it-IT" smtClean="0"/>
-              <a:t>18/08/2018</a:t>
+              <a:t>23/10/2018</a:t>
             </a:fld>
             <a:endParaRPr lang="it-IT"/>
           </a:p>
@@ -1410,7 +1410,7 @@
           <a:p>
             <a:fld id="{2A4F8529-4557-41EA-9AF8-6339A2489D1A}" type="datetimeFigureOut">
               <a:rPr lang="it-IT" smtClean="0"/>
-              <a:t>18/08/2018</a:t>
+              <a:t>23/10/2018</a:t>
             </a:fld>
             <a:endParaRPr lang="it-IT"/>
           </a:p>
@@ -1822,7 +1822,7 @@
           <a:p>
             <a:fld id="{2A4F8529-4557-41EA-9AF8-6339A2489D1A}" type="datetimeFigureOut">
               <a:rPr lang="it-IT" smtClean="0"/>
-              <a:t>18/08/2018</a:t>
+              <a:t>23/10/2018</a:t>
             </a:fld>
             <a:endParaRPr lang="it-IT"/>
           </a:p>
@@ -1963,7 +1963,7 @@
           <a:p>
             <a:fld id="{2A4F8529-4557-41EA-9AF8-6339A2489D1A}" type="datetimeFigureOut">
               <a:rPr lang="it-IT" smtClean="0"/>
-              <a:t>18/08/2018</a:t>
+              <a:t>23/10/2018</a:t>
             </a:fld>
             <a:endParaRPr lang="it-IT"/>
           </a:p>
@@ -2076,7 +2076,7 @@
           <a:p>
             <a:fld id="{2A4F8529-4557-41EA-9AF8-6339A2489D1A}" type="datetimeFigureOut">
               <a:rPr lang="it-IT" smtClean="0"/>
-              <a:t>18/08/2018</a:t>
+              <a:t>23/10/2018</a:t>
             </a:fld>
             <a:endParaRPr lang="it-IT"/>
           </a:p>
@@ -2387,7 +2387,7 @@
           <a:p>
             <a:fld id="{2A4F8529-4557-41EA-9AF8-6339A2489D1A}" type="datetimeFigureOut">
               <a:rPr lang="it-IT" smtClean="0"/>
-              <a:t>18/08/2018</a:t>
+              <a:t>23/10/2018</a:t>
             </a:fld>
             <a:endParaRPr lang="it-IT"/>
           </a:p>
@@ -2675,7 +2675,7 @@
           <a:p>
             <a:fld id="{2A4F8529-4557-41EA-9AF8-6339A2489D1A}" type="datetimeFigureOut">
               <a:rPr lang="it-IT" smtClean="0"/>
-              <a:t>18/08/2018</a:t>
+              <a:t>23/10/2018</a:t>
             </a:fld>
             <a:endParaRPr lang="it-IT"/>
           </a:p>
@@ -2916,7 +2916,7 @@
           <a:p>
             <a:fld id="{2A4F8529-4557-41EA-9AF8-6339A2489D1A}" type="datetimeFigureOut">
               <a:rPr lang="it-IT" smtClean="0"/>
-              <a:t>18/08/2018</a:t>
+              <a:t>23/10/2018</a:t>
             </a:fld>
             <a:endParaRPr lang="it-IT"/>
           </a:p>
@@ -4267,6 +4267,89 @@
           <a:chExt cx="0" cy="0"/>
         </a:xfrm>
       </p:grpSpPr>
+      <p:pic>
+        <p:nvPicPr>
+          <p:cNvPr id="2" name="Immagine 1">
+            <a:extLst>
+              <a:ext uri="{FF2B5EF4-FFF2-40B4-BE49-F238E27FC236}">
+                <a16:creationId xmlns:a16="http://schemas.microsoft.com/office/drawing/2014/main" id="{A1021FBC-457E-4346-89C2-BFAD841A9D6A}"/>
+              </a:ext>
+            </a:extLst>
+          </p:cNvPr>
+          <p:cNvPicPr>
+            <a:picLocks noChangeAspect="1"/>
+          </p:cNvPicPr>
+          <p:nvPr/>
+        </p:nvPicPr>
+        <p:blipFill rotWithShape="1">
+          <a:blip r:embed="rId2"/>
+          <a:srcRect l="3211" b="34792"/>
+          <a:stretch/>
+        </p:blipFill>
+        <p:spPr>
+          <a:xfrm>
+            <a:off x="1924492" y="1733550"/>
+            <a:ext cx="8629207" cy="2211129"/>
+          </a:xfrm>
+          <a:prstGeom prst="rect">
+            <a:avLst/>
+          </a:prstGeom>
+        </p:spPr>
+      </p:pic>
+      <p:sp>
+        <p:nvSpPr>
+          <p:cNvPr id="3" name="Rettangolo con angoli arrotondati 2">
+            <a:extLst>
+              <a:ext uri="{FF2B5EF4-FFF2-40B4-BE49-F238E27FC236}">
+                <a16:creationId xmlns:a16="http://schemas.microsoft.com/office/drawing/2014/main" id="{852C51F6-9EE7-4766-A332-3A0F7D2808BA}"/>
+              </a:ext>
+            </a:extLst>
+          </p:cNvPr>
+          <p:cNvSpPr/>
+          <p:nvPr/>
+        </p:nvSpPr>
+        <p:spPr>
+          <a:xfrm>
+            <a:off x="1924492" y="2604977"/>
+            <a:ext cx="6547886" cy="701750"/>
+          </a:xfrm>
+          <a:prstGeom prst="roundRect">
+            <a:avLst/>
+          </a:prstGeom>
+          <a:noFill/>
+          <a:ln w="76200" cap="flat" cmpd="sng" algn="ctr">
+            <a:solidFill>
+              <a:schemeClr val="accent2"/>
+            </a:solidFill>
+            <a:prstDash val="solid"/>
+            <a:round/>
+            <a:headEnd type="none" w="med" len="med"/>
+            <a:tailEnd type="none" w="med" len="med"/>
+          </a:ln>
+        </p:spPr>
+        <p:style>
+          <a:lnRef idx="0">
+            <a:scrgbClr r="0" g="0" b="0"/>
+          </a:lnRef>
+          <a:fillRef idx="0">
+            <a:scrgbClr r="0" g="0" b="0"/>
+          </a:fillRef>
+          <a:effectRef idx="0">
+            <a:scrgbClr r="0" g="0" b="0"/>
+          </a:effectRef>
+          <a:fontRef idx="minor">
+            <a:schemeClr val="accent2"/>
+          </a:fontRef>
+        </p:style>
+        <p:txBody>
+          <a:bodyPr rtlCol="0" anchor="ctr"/>
+          <a:lstStyle/>
+          <a:p>
+            <a:pPr algn="ctr"/>
+            <a:endParaRPr lang="it-IT"/>
+          </a:p>
+        </p:txBody>
+      </p:sp>
     </p:spTree>
     <p:extLst>
       <p:ext uri="{BB962C8B-B14F-4D97-AF65-F5344CB8AC3E}">
